--- a/doc/presentation.pptx
+++ b/doc/presentation.pptx
@@ -870,7 +870,7 @@
           <a:bodyPr/>
           <a:lstStyle/>
           <a:p>
-            <a:endParaRPr lang="it-IT"/>
+            <a:endParaRPr lang="it-IT" dirty="0"/>
           </a:p>
         </p:txBody>
       </p:sp>
@@ -894,7 +894,7 @@
               <a:rPr lang="it-IT" smtClean="0"/>
               <a:t>1</a:t>
             </a:fld>
-            <a:endParaRPr lang="it-IT"/>
+            <a:endParaRPr lang="it-IT" dirty="0"/>
           </a:p>
         </p:txBody>
       </p:sp>
@@ -12622,23 +12622,31 @@
             <p:ph idx="1"/>
           </p:nvPr>
         </p:nvSpPr>
-        <p:spPr/>
+        <p:spPr>
+          <a:xfrm>
+            <a:off x="838200" y="1817893"/>
+            <a:ext cx="10515600" cy="4351338"/>
+          </a:xfrm>
+        </p:spPr>
         <p:txBody>
           <a:bodyPr/>
           <a:lstStyle/>
           <a:p>
+            <a:pPr marL="0" indent="0">
+              <a:buNone/>
+            </a:pPr>
             <a:r>
               <a:rPr lang="it-IT" dirty="0"/>
-              <a:t>Cosa avete usato per implementare</a:t>
-            </a:r>
-          </a:p>
-          <a:p>
-            <a:pPr lvl="1"/>
+              <a:t>L’implementazione è completa, il sistema è completamente funzionante ed è eseguibile da </a:t>
+            </a:r>
+            <a:r>
+              <a:rPr lang="it-IT" dirty="0" err="1"/>
+              <a:t>VScode</a:t>
+            </a:r>
             <a:r>
               <a:rPr lang="it-IT" dirty="0"/>
-              <a:t>Quali parti avete implementato e quali no (ad esempio)</a:t>
-            </a:r>
-            <a:endParaRPr lang="en-US" dirty="0"/>
+              <a:t>. È possibile eseguire una build per ottenere un file eseguibile.</a:t>
+            </a:r>
           </a:p>
         </p:txBody>
       </p:sp>
@@ -13464,15 +13472,7 @@
             </a:pPr>
             <a:r>
               <a:rPr lang="it-IT" dirty="0"/>
-              <a:t>Dart (Flutter </a:t>
-            </a:r>
-            <a:r>
-              <a:rPr lang="it-IT" dirty="0" err="1"/>
-              <a:t>application</a:t>
-            </a:r>
-            <a:r>
-              <a:rPr lang="it-IT" dirty="0"/>
-              <a:t>)</a:t>
+              <a:t>Dart/Flutter</a:t>
             </a:r>
           </a:p>
           <a:p>
@@ -13616,25 +13616,95 @@
           <a:bodyPr/>
           <a:lstStyle/>
           <a:p>
+            <a:pPr marL="0" indent="0">
+              <a:buNone/>
+            </a:pPr>
+            <a:r>
+              <a:rPr lang="it-IT" dirty="0" err="1"/>
+              <a:t>Github</a:t>
+            </a:r>
             <a:r>
               <a:rPr lang="it-IT" dirty="0"/>
-              <a:t>Quale tool avete usato per software </a:t>
+              <a:t> come gestore di versioni e </a:t>
             </a:r>
             <a:r>
               <a:rPr lang="it-IT" dirty="0" err="1"/>
-              <a:t>configuration</a:t>
-            </a:r>
+              <a:t>branch</a:t>
+            </a:r>
+            <a:endParaRPr lang="it-IT" dirty="0"/>
+          </a:p>
+          <a:p>
+            <a:pPr marL="0" indent="0">
+              <a:buNone/>
+            </a:pPr>
             <a:r>
               <a:rPr lang="it-IT" dirty="0"/>
-              <a:t> management (GitHub,….????)</a:t>
-            </a:r>
-          </a:p>
-          <a:p>
+              <a:t>Capo sviluppatore</a:t>
+            </a:r>
+          </a:p>
+          <a:p>
+            <a:pPr marL="0" indent="0">
+              <a:buNone/>
+            </a:pPr>
             <a:r>
               <a:rPr lang="it-IT" dirty="0"/>
-              <a:t>Come lo avete usato?</a:t>
-            </a:r>
-            <a:endParaRPr lang="en-US" dirty="0"/>
+              <a:t>	Ha lavorato direttamente nel </a:t>
+            </a:r>
+            <a:r>
+              <a:rPr lang="it-IT" dirty="0" err="1"/>
+              <a:t>branch</a:t>
+            </a:r>
+            <a:r>
+              <a:rPr lang="it-IT" dirty="0"/>
+              <a:t> </a:t>
+            </a:r>
+            <a:r>
+              <a:rPr lang="it-IT" dirty="0" err="1"/>
+              <a:t>main</a:t>
+            </a:r>
+            <a:endParaRPr lang="it-IT" dirty="0"/>
+          </a:p>
+          <a:p>
+            <a:pPr marL="0" indent="0">
+              <a:buNone/>
+            </a:pPr>
+            <a:r>
+              <a:rPr lang="it-IT" dirty="0"/>
+              <a:t>Assistente sviluppatore</a:t>
+            </a:r>
+          </a:p>
+          <a:p>
+            <a:pPr marL="0" indent="0">
+              <a:buNone/>
+            </a:pPr>
+            <a:r>
+              <a:rPr lang="it-IT" dirty="0"/>
+              <a:t>	Ha lavorato in una </a:t>
+            </a:r>
+            <a:r>
+              <a:rPr lang="it-IT" dirty="0" err="1"/>
+              <a:t>Branch</a:t>
+            </a:r>
+            <a:r>
+              <a:rPr lang="it-IT" dirty="0"/>
+              <a:t> separata e ad ogni modifica si è creata 	una pull-</a:t>
+            </a:r>
+            <a:r>
+              <a:rPr lang="it-IT" dirty="0" err="1"/>
+              <a:t>request</a:t>
+            </a:r>
+            <a:r>
+              <a:rPr lang="it-IT" dirty="0"/>
+              <a:t> per il merge con la </a:t>
+            </a:r>
+            <a:r>
+              <a:rPr lang="it-IT" dirty="0" err="1"/>
+              <a:t>branch</a:t>
+            </a:r>
+            <a:r>
+              <a:rPr lang="it-IT" dirty="0"/>
+              <a:t> principale</a:t>
+            </a:r>
           </a:p>
         </p:txBody>
       </p:sp>
@@ -13886,15 +13956,38 @@
           </a:bodyPr>
           <a:lstStyle/>
           <a:p>
+            <a:pPr marL="0" indent="0" algn="just">
+              <a:buNone/>
+            </a:pPr>
             <a:r>
               <a:rPr lang="it-IT" dirty="0">
                 <a:cs typeface="Calibri"/>
               </a:rPr>
-              <a:t>Spiegare come avete estratto i requisiti e dove li avete specificati</a:t>
-            </a:r>
-            <a:endParaRPr lang="en-US">
-              <a:cs typeface="Calibri"/>
-            </a:endParaRPr>
+              <a:t>I requisiti sono stati stesi secondo la tecnica </a:t>
+            </a:r>
+            <a:r>
+              <a:rPr lang="it-IT" dirty="0" err="1">
+                <a:cs typeface="Calibri"/>
+              </a:rPr>
+              <a:t>MoSCoW</a:t>
+            </a:r>
+            <a:r>
+              <a:rPr lang="it-IT" dirty="0">
+                <a:cs typeface="Calibri"/>
+              </a:rPr>
+              <a:t> e inseriti nel project plan.</a:t>
+            </a:r>
+          </a:p>
+          <a:p>
+            <a:pPr marL="0" indent="0" algn="just">
+              <a:buNone/>
+            </a:pPr>
+            <a:r>
+              <a:rPr lang="it-IT" dirty="0">
+                <a:cs typeface="Calibri"/>
+              </a:rPr>
+              <a:t>Per individuarli abbiamo ipotizzato di essere noi i potenziali clienti di questa applicazione.</a:t>
+            </a:r>
           </a:p>
         </p:txBody>
       </p:sp>
@@ -15080,12 +15173,6 @@
 </file>
 
 <file path=customXml/item1.xml><?xml version="1.0" encoding="utf-8"?>
-<p:properties xmlns:p="http://schemas.microsoft.com/office/2006/metadata/properties" xmlns:xsi="http://www.w3.org/2001/XMLSchema-instance" xmlns:pc="http://schemas.microsoft.com/office/infopath/2007/PartnerControls">
-  <documentManagement/>
-</p:properties>
-</file>
-
-<file path=customXml/item2.xml><?xml version="1.0" encoding="utf-8"?>
 <?mso-contentType ?>
 <FormTemplates xmlns="http://schemas.microsoft.com/sharepoint/v3/contenttype/forms">
   <Display>DocumentLibraryForm</Display>
@@ -15094,7 +15181,7 @@
 </FormTemplates>
 </file>
 
-<file path=customXml/item3.xml><?xml version="1.0" encoding="utf-8"?>
+<file path=customXml/item2.xml><?xml version="1.0" encoding="utf-8"?>
 <ct:contentTypeSchema xmlns:ct="http://schemas.microsoft.com/office/2006/metadata/contentType" xmlns:ma="http://schemas.microsoft.com/office/2006/metadata/properties/metaAttributes" ct:_="" ma:_="" ma:contentTypeName="Document" ma:contentTypeID="0x0101007CE6213B20D2F945B0D1473923EE410F" ma:contentTypeVersion="4" ma:contentTypeDescription="Create a new document." ma:contentTypeScope="" ma:versionID="999b7d32b491616a44cb9ca790914d38">
   <xsd:schema xmlns:xsd="http://www.w3.org/2001/XMLSchema" xmlns:xs="http://www.w3.org/2001/XMLSchema" xmlns:p="http://schemas.microsoft.com/office/2006/metadata/properties" xmlns:ns2="243f3390-b919-40e8-8195-3613e8527352" targetNamespace="http://schemas.microsoft.com/office/2006/metadata/properties" ma:root="true" ma:fieldsID="8d3c59af8e3bc96f0b58ffc46ca90b3f" ns2:_="">
     <xsd:import namespace="243f3390-b919-40e8-8195-3613e8527352"/>
@@ -15238,20 +15325,13 @@
 </ct:contentTypeSchema>
 </file>
 
-<file path=customXml/itemProps1.xml><?xml version="1.0" encoding="utf-8"?>
-<ds:datastoreItem xmlns:ds="http://schemas.openxmlformats.org/officeDocument/2006/customXml" ds:itemID="{7F97B18F-50BC-4F30-8373-93489E845F83}">
-  <ds:schemaRefs>
-    <ds:schemaRef ds:uri="http://schemas.microsoft.com/office/2006/metadata/properties"/>
-    <ds:schemaRef ds:uri="http://schemas.microsoft.com/office/infopath/2007/PartnerControls"/>
-    <ds:schemaRef ds:uri="http://schemas.microsoft.com/sharepoint/v3"/>
-    <ds:schemaRef ds:uri="71af3243-3dd4-4a8d-8c0d-dd76da1f02a5"/>
-    <ds:schemaRef ds:uri="230e9df3-be65-4c73-a93b-d1236ebd677e"/>
-    <ds:schemaRef ds:uri="36d25196-f32b-43e1-8250-558e57115123"/>
-  </ds:schemaRefs>
-</ds:datastoreItem>
+<file path=customXml/item3.xml><?xml version="1.0" encoding="utf-8"?>
+<p:properties xmlns:p="http://schemas.microsoft.com/office/2006/metadata/properties" xmlns:xsi="http://www.w3.org/2001/XMLSchema-instance" xmlns:pc="http://schemas.microsoft.com/office/infopath/2007/PartnerControls">
+  <documentManagement/>
+</p:properties>
 </file>
 
-<file path=customXml/itemProps2.xml><?xml version="1.0" encoding="utf-8"?>
+<file path=customXml/itemProps1.xml><?xml version="1.0" encoding="utf-8"?>
 <ds:datastoreItem xmlns:ds="http://schemas.openxmlformats.org/officeDocument/2006/customXml" ds:itemID="{42BC90D6-94CF-42F7-AAC4-9CF6824C54D5}">
   <ds:schemaRefs>
     <ds:schemaRef ds:uri="http://schemas.microsoft.com/sharepoint/v3/contenttype/forms"/>
@@ -15259,7 +15339,7 @@
 </ds:datastoreItem>
 </file>
 
-<file path=customXml/itemProps3.xml><?xml version="1.0" encoding="utf-8"?>
+<file path=customXml/itemProps2.xml><?xml version="1.0" encoding="utf-8"?>
 <ds:datastoreItem xmlns:ds="http://schemas.openxmlformats.org/officeDocument/2006/customXml" ds:itemID="{3FE7862C-C3AD-4816-84F7-041B9F9F157C}">
   <ds:schemaRefs>
     <ds:schemaRef ds:uri="http://schemas.microsoft.com/office/2006/metadata/contentType"/>
@@ -15277,6 +15357,19 @@
 </ds:datastoreItem>
 </file>
 
+<file path=customXml/itemProps3.xml><?xml version="1.0" encoding="utf-8"?>
+<ds:datastoreItem xmlns:ds="http://schemas.openxmlformats.org/officeDocument/2006/customXml" ds:itemID="{7F97B18F-50BC-4F30-8373-93489E845F83}">
+  <ds:schemaRefs>
+    <ds:schemaRef ds:uri="http://schemas.microsoft.com/office/2006/metadata/properties"/>
+    <ds:schemaRef ds:uri="http://schemas.microsoft.com/office/infopath/2007/PartnerControls"/>
+    <ds:schemaRef ds:uri="http://schemas.microsoft.com/sharepoint/v3"/>
+    <ds:schemaRef ds:uri="71af3243-3dd4-4a8d-8c0d-dd76da1f02a5"/>
+    <ds:schemaRef ds:uri="230e9df3-be65-4c73-a93b-d1236ebd677e"/>
+    <ds:schemaRef ds:uri="36d25196-f32b-43e1-8250-558e57115123"/>
+  </ds:schemaRefs>
+</ds:datastoreItem>
+</file>
+
 <file path=docMetadata/LabelInfo.xml><?xml version="1.0" encoding="utf-8"?>
 <clbl:labelList xmlns:clbl="http://schemas.microsoft.com/office/2020/mipLabelMetadata">
   <clbl:label id="{f42aa342-8706-4288-bd11-ebb85995028c}" enabled="1" method="Standard" siteId="{72f988bf-86f1-41af-91ab-2d7cd011db47}" removed="0"/>

--- a/doc/presentation.pptx
+++ b/doc/presentation.pptx
@@ -373,7 +373,7 @@
             <a:pPr rtl="0"/>
             <a:fld id="{DBC54730-5EBA-4920-A6C4-7F8458A7F940}" type="datetime1">
               <a:rPr lang="it-IT" smtClean="0"/>
-              <a:t>06/03/2023</a:t>
+              <a:t>07/03/2023</a:t>
             </a:fld>
             <a:endParaRPr lang="it-IT"/>
           </a:p>
@@ -555,7 +555,7 @@
             <a:fld id="{85EC1C34-318D-43A8-83F5-3AC8647FE75E}" type="datetime1">
               <a:rPr lang="it-IT" smtClean="0"/>
               <a:pPr/>
-              <a:t>06/03/2023</a:t>
+              <a:t>07/03/2023</a:t>
             </a:fld>
             <a:endParaRPr lang="it-IT" dirty="0"/>
           </a:p>
@@ -12330,8 +12330,8 @@
               <a:rPr lang="it-IT" dirty="0"/>
             </a:br>
             <a:r>
-              <a:rPr lang="it-IT" sz="2800" i="1" dirty="0"/>
-              <a:t>Nome progetto</a:t>
+              <a:rPr lang="it-IT" sz="2800" i="1" dirty="0" err="1"/>
+              <a:t>SteamDiscountAdviser</a:t>
             </a:r>
             <a:endParaRPr lang="it-IT" i="1" dirty="0"/>
           </a:p>
@@ -12363,7 +12363,14 @@
             <a:pPr rtl="0"/>
             <a:r>
               <a:rPr lang="it-IT" dirty="0"/>
-              <a:t>Componenti progetto</a:t>
+              <a:t>Matias Negro</a:t>
+            </a:r>
+          </a:p>
+          <a:p>
+            <a:pPr rtl="0"/>
+            <a:r>
+              <a:rPr lang="it-IT" dirty="0"/>
+              <a:t>Daniele Greco</a:t>
             </a:r>
           </a:p>
         </p:txBody>
@@ -12452,6 +12459,44 @@
               <a:rPr lang="it-IT" dirty="0"/>
               <a:t>Quali diagrammi UML avete realizzato?</a:t>
             </a:r>
+          </a:p>
+          <a:p>
+            <a:pPr lvl="1"/>
+            <a:r>
+              <a:rPr lang="en-US" dirty="0"/>
+              <a:t>Class Diagram</a:t>
+            </a:r>
+          </a:p>
+          <a:p>
+            <a:pPr lvl="1"/>
+            <a:r>
+              <a:rPr lang="en-US" dirty="0"/>
+              <a:t>State Machine Diagram</a:t>
+            </a:r>
+          </a:p>
+          <a:p>
+            <a:pPr lvl="1"/>
+            <a:r>
+              <a:rPr lang="en-US" dirty="0"/>
+              <a:t>Sequence Diagram</a:t>
+            </a:r>
+          </a:p>
+          <a:p>
+            <a:pPr lvl="1"/>
+            <a:r>
+              <a:rPr lang="en-US" dirty="0"/>
+              <a:t>Use – Case Diagram</a:t>
+            </a:r>
+          </a:p>
+          <a:p>
+            <a:pPr lvl="1"/>
+            <a:r>
+              <a:rPr lang="en-US" dirty="0"/>
+              <a:t>Activity Diagram</a:t>
+            </a:r>
+          </a:p>
+          <a:p>
+            <a:pPr lvl="1"/>
             <a:endParaRPr lang="en-US" dirty="0"/>
           </a:p>
         </p:txBody>
@@ -12637,15 +12682,32 @@
             </a:pPr>
             <a:r>
               <a:rPr lang="it-IT" dirty="0"/>
-              <a:t>L’implementazione è completa, il sistema è completamente funzionante ed è eseguibile da </a:t>
+              <a:t>L’implementazione è completa, il sistema è completamente funzionante ed è eseguibile da terminale.</a:t>
+            </a:r>
+          </a:p>
+          <a:p>
+            <a:pPr marL="0" indent="0">
+              <a:buNone/>
+            </a:pPr>
+            <a:r>
+              <a:rPr lang="it-IT" dirty="0"/>
+              <a:t>La scrittura del codice è stata fatta su </a:t>
             </a:r>
             <a:r>
               <a:rPr lang="it-IT" dirty="0" err="1"/>
-              <a:t>VScode</a:t>
+              <a:t>VisualStudioCode</a:t>
             </a:r>
             <a:r>
               <a:rPr lang="it-IT" dirty="0"/>
-              <a:t>. È possibile eseguire una build per ottenere un file eseguibile.</a:t>
+              <a:t>, il quale provvede </a:t>
+            </a:r>
+            <a:r>
+              <a:rPr lang="it-IT" dirty="0" err="1"/>
+              <a:t>add-on</a:t>
+            </a:r>
+            <a:r>
+              <a:rPr lang="it-IT" dirty="0"/>
+              <a:t> appositi per lo sviluppo attraverso dart/flutter. </a:t>
             </a:r>
           </a:p>
         </p:txBody>
@@ -12857,6 +12919,36 @@
           </a:p>
         </p:txBody>
       </p:sp>
+      <p:pic>
+        <p:nvPicPr>
+          <p:cNvPr id="8" name="Immagine 7" descr="Immagine che contiene testo&#10;&#10;Descrizione generata automaticamente">
+            <a:extLst>
+              <a:ext uri="{FF2B5EF4-FFF2-40B4-BE49-F238E27FC236}">
+                <a16:creationId xmlns:a16="http://schemas.microsoft.com/office/drawing/2014/main" id="{3EE3C439-F96E-B4D9-6A79-7A543C9FE110}"/>
+              </a:ext>
+            </a:extLst>
+          </p:cNvPr>
+          <p:cNvPicPr>
+            <a:picLocks noChangeAspect="1"/>
+          </p:cNvPicPr>
+          <p:nvPr/>
+        </p:nvPicPr>
+        <p:blipFill>
+          <a:blip r:embed="rId2"/>
+          <a:stretch>
+            <a:fillRect/>
+          </a:stretch>
+        </p:blipFill>
+        <p:spPr>
+          <a:xfrm>
+            <a:off x="2438400" y="2217821"/>
+            <a:ext cx="5943600" cy="4640179"/>
+          </a:xfrm>
+          <a:prstGeom prst="rect">
+            <a:avLst/>
+          </a:prstGeom>
+        </p:spPr>
+      </p:pic>
     </p:spTree>
     <p:extLst>
       <p:ext uri="{BB962C8B-B14F-4D97-AF65-F5344CB8AC3E}">
@@ -12952,9 +13044,55 @@
             </a:r>
           </a:p>
           <a:p>
+            <a:pPr lvl="1"/>
+            <a:r>
+              <a:rPr lang="it-IT" dirty="0"/>
+              <a:t>Testing automatico attraverso il package </a:t>
+            </a:r>
+            <a:r>
+              <a:rPr lang="it-IT" dirty="0" err="1"/>
+              <a:t>darttest</a:t>
+            </a:r>
+            <a:endParaRPr lang="it-IT" dirty="0"/>
+          </a:p>
+          <a:p>
             <a:r>
               <a:rPr lang="it-IT" dirty="0"/>
               <a:t>Quali risultati avete ottenuto con l’attività di testing</a:t>
+            </a:r>
+          </a:p>
+          <a:p>
+            <a:pPr lvl="1"/>
+            <a:r>
+              <a:rPr lang="it-IT" dirty="0"/>
+              <a:t>Controllo del corretto funzionamento delle </a:t>
+            </a:r>
+            <a:r>
+              <a:rPr lang="it-IT" dirty="0" err="1"/>
+              <a:t>struttire</a:t>
+            </a:r>
+            <a:r>
+              <a:rPr lang="it-IT" dirty="0"/>
+              <a:t> interagenti con la </a:t>
+            </a:r>
+            <a:r>
+              <a:rPr lang="it-IT" dirty="0" err="1"/>
+              <a:t>steamAPI</a:t>
+            </a:r>
+            <a:endParaRPr lang="it-IT" dirty="0"/>
+          </a:p>
+          <a:p>
+            <a:pPr lvl="1"/>
+            <a:r>
+              <a:rPr lang="it-IT" dirty="0"/>
+              <a:t>Problema:</a:t>
+            </a:r>
+          </a:p>
+          <a:p>
+            <a:pPr lvl="2"/>
+            <a:r>
+              <a:rPr lang="it-IT" dirty="0"/>
+              <a:t>In quanto il sistema non ha una chiusura il testing dei widget è stato effettuato manualmente, in quanto il package sopra citato non consente il testing di widget che non hanno una chiusura definita.</a:t>
             </a:r>
           </a:p>
           <a:p>
@@ -13100,11 +13238,11 @@
             </a:pPr>
             <a:r>
               <a:rPr lang="it-IT" dirty="0"/>
-              <a:t>La soluzione da noi elaborata salva le preferenze dell’utente come coppia </a:t>
+              <a:t>La soluzione da noi elaborata salva le preferenze dell’utente come coppia (</a:t>
             </a:r>
             <a:r>
               <a:rPr lang="it-IT" i="1" dirty="0"/>
-              <a:t>prodotto, prezzo desiderato</a:t>
+              <a:t>prodotto, prezzo desiderato)</a:t>
             </a:r>
             <a:r>
               <a:rPr lang="it-IT" dirty="0"/>
@@ -13112,7 +13250,7 @@
             </a:r>
             <a:r>
               <a:rPr lang="it-IT" i="1" dirty="0"/>
-              <a:t>OS.</a:t>
+              <a:t>OS. Tale verifica viene effettuata periodicamente in background dall’applicativo. Al fine di rendere l’applicativo accattivante per l’utenza ci siamo concentrati anche sulla correttezza dei dettagli relativi all’utilizzo e grafici.</a:t>
             </a:r>
             <a:endParaRPr lang="en-US" dirty="0"/>
           </a:p>
@@ -13307,12 +13445,21 @@
             </a:r>
             <a:r>
               <a:rPr lang="en-US" dirty="0"/>
-              <a:t> budget per support API </a:t>
+              <a:t> budget per </a:t>
             </a:r>
             <a:r>
               <a:rPr lang="en-US" dirty="0" err="1"/>
-              <a:t>completo</a:t>
-            </a:r>
+              <a:t>supporto</a:t>
+            </a:r>
+            <a:r>
+              <a:rPr lang="en-US" dirty="0"/>
+              <a:t> API complete</a:t>
+            </a:r>
+          </a:p>
+          <a:p>
+            <a:pPr marL="0" indent="0">
+              <a:buNone/>
+            </a:pPr>
             <a:endParaRPr lang="en-US" dirty="0"/>
           </a:p>
         </p:txBody>
@@ -13442,6 +13589,13 @@
               <a:rPr lang="it-IT" dirty="0"/>
               <a:t>Linguaggio di programmazione usato</a:t>
             </a:r>
+            <a:br>
+              <a:rPr lang="it-IT" dirty="0"/>
+            </a:br>
+            <a:r>
+              <a:rPr lang="it-IT" dirty="0"/>
+              <a:t>dart/flutter</a:t>
+            </a:r>
           </a:p>
           <a:p>
             <a:r>
@@ -13463,25 +13617,15 @@
             </a:r>
             <a:r>
               <a:rPr lang="it-IT" dirty="0"/>
-              <a:t>, modellazione UML</a:t>
-            </a:r>
-          </a:p>
-          <a:p>
-            <a:pPr marL="0" indent="0">
-              <a:buNone/>
-            </a:pPr>
+              <a:t>, modellazione </a:t>
+            </a:r>
+            <a:r>
+              <a:rPr lang="it-IT" dirty="0" err="1"/>
+              <a:t>UML,Tool</a:t>
+            </a:r>
             <a:r>
               <a:rPr lang="it-IT" dirty="0"/>
-              <a:t>Dart/Flutter</a:t>
-            </a:r>
-          </a:p>
-          <a:p>
-            <a:pPr marL="0" indent="0">
-              <a:buNone/>
-            </a:pPr>
-            <a:r>
-              <a:rPr lang="it-IT" dirty="0"/>
-              <a:t>Tool di automazione per generare documentazione:</a:t>
+              <a:t> di automazione per generare documentazione:</a:t>
             </a:r>
           </a:p>
           <a:p>
@@ -13662,7 +13806,10 @@
               <a:rPr lang="it-IT" dirty="0" err="1"/>
               <a:t>main</a:t>
             </a:r>
-            <a:endParaRPr lang="it-IT" dirty="0"/>
+            <a:r>
+              <a:rPr lang="it-IT" dirty="0"/>
+              <a:t>.</a:t>
+            </a:r>
           </a:p>
           <a:p>
             <a:pPr marL="0" indent="0">
@@ -13703,7 +13850,7 @@
             </a:r>
             <a:r>
               <a:rPr lang="it-IT" dirty="0"/>
-              <a:t> principale</a:t>
+              <a:t> principale a seguito 	di controllo e revisione.</a:t>
             </a:r>
           </a:p>
         </p:txBody>
@@ -13872,6 +14019,36 @@
           </a:p>
         </p:txBody>
       </p:sp>
+      <p:pic>
+        <p:nvPicPr>
+          <p:cNvPr id="7" name="Immagine 6">
+            <a:extLst>
+              <a:ext uri="{FF2B5EF4-FFF2-40B4-BE49-F238E27FC236}">
+                <a16:creationId xmlns:a16="http://schemas.microsoft.com/office/drawing/2014/main" id="{73CA6BF6-2846-767B-A6EB-EA7A9D668BE0}"/>
+              </a:ext>
+            </a:extLst>
+          </p:cNvPr>
+          <p:cNvPicPr>
+            <a:picLocks noChangeAspect="1"/>
+          </p:cNvPicPr>
+          <p:nvPr/>
+        </p:nvPicPr>
+        <p:blipFill>
+          <a:blip r:embed="rId3"/>
+          <a:stretch>
+            <a:fillRect/>
+          </a:stretch>
+        </p:blipFill>
+        <p:spPr>
+          <a:xfrm>
+            <a:off x="7535575" y="477413"/>
+            <a:ext cx="3818225" cy="5590693"/>
+          </a:xfrm>
+          <a:prstGeom prst="rect">
+            <a:avLst/>
+          </a:prstGeom>
+        </p:spPr>
+      </p:pic>
     </p:spTree>
     <p:extLst>
       <p:ext uri="{BB962C8B-B14F-4D97-AF65-F5344CB8AC3E}">
@@ -14108,6 +14285,24 @@
               <a:rPr lang="it-IT" dirty="0"/>
               <a:t>Spiegare lo stile architetturale utilizzato</a:t>
             </a:r>
+          </a:p>
+          <a:p>
+            <a:endParaRPr lang="it-IT" dirty="0"/>
+          </a:p>
+          <a:p>
+            <a:pPr lvl="1"/>
+            <a:r>
+              <a:rPr lang="it-IT" dirty="0"/>
+              <a:t>Model – </a:t>
+            </a:r>
+            <a:r>
+              <a:rPr lang="it-IT" dirty="0" err="1"/>
+              <a:t>View</a:t>
+            </a:r>
+            <a:r>
+              <a:rPr lang="it-IT" dirty="0"/>
+              <a:t> – Controller (MVC)</a:t>
+            </a:r>
             <a:endParaRPr lang="en-US" dirty="0"/>
           </a:p>
         </p:txBody>
@@ -14143,6 +14338,36 @@
           </a:p>
         </p:txBody>
       </p:sp>
+      <p:pic>
+        <p:nvPicPr>
+          <p:cNvPr id="5" name="Immagine 4">
+            <a:extLst>
+              <a:ext uri="{FF2B5EF4-FFF2-40B4-BE49-F238E27FC236}">
+                <a16:creationId xmlns:a16="http://schemas.microsoft.com/office/drawing/2014/main" id="{35A4BCD6-7C30-0A2D-04FF-EFD8DECDEF35}"/>
+              </a:ext>
+            </a:extLst>
+          </p:cNvPr>
+          <p:cNvPicPr>
+            <a:picLocks noChangeAspect="1"/>
+          </p:cNvPicPr>
+          <p:nvPr/>
+        </p:nvPicPr>
+        <p:blipFill>
+          <a:blip r:embed="rId3"/>
+          <a:stretch>
+            <a:fillRect/>
+          </a:stretch>
+        </p:blipFill>
+        <p:spPr>
+          <a:xfrm>
+            <a:off x="7304741" y="845344"/>
+            <a:ext cx="4049059" cy="5167312"/>
+          </a:xfrm>
+          <a:prstGeom prst="rect">
+            <a:avLst/>
+          </a:prstGeom>
+        </p:spPr>
+      </p:pic>
     </p:spTree>
     <p:extLst>
       <p:ext uri="{BB962C8B-B14F-4D97-AF65-F5344CB8AC3E}">
@@ -14235,6 +14460,21 @@
             </a:r>
           </a:p>
           <a:p>
+            <a:pPr lvl="1"/>
+            <a:r>
+              <a:rPr lang="it-IT" dirty="0" err="1"/>
+              <a:t>Factory</a:t>
+            </a:r>
+            <a:r>
+              <a:rPr lang="it-IT" dirty="0"/>
+              <a:t> Pattern</a:t>
+            </a:r>
+            <a:br>
+              <a:rPr lang="it-IT" dirty="0"/>
+            </a:br>
+            <a:endParaRPr lang="it-IT" dirty="0"/>
+          </a:p>
+          <a:p>
             <a:r>
               <a:rPr lang="it-IT" dirty="0"/>
               <a:t>Metriche di qualità del progetto</a:t>
@@ -14270,7 +14510,7 @@
               <a:pPr rtl="0"/>
               <a:t>9</a:t>
             </a:fld>
-            <a:endParaRPr lang="it-IT" sz="1800" b="1"/>
+            <a:endParaRPr lang="it-IT" sz="1800" b="1" dirty="0"/>
           </a:p>
         </p:txBody>
       </p:sp>
@@ -15173,12 +15413,9 @@
 </file>
 
 <file path=customXml/item1.xml><?xml version="1.0" encoding="utf-8"?>
-<?mso-contentType ?>
-<FormTemplates xmlns="http://schemas.microsoft.com/sharepoint/v3/contenttype/forms">
-  <Display>DocumentLibraryForm</Display>
-  <Edit>DocumentLibraryForm</Edit>
-  <New>DocumentLibraryForm</New>
-</FormTemplates>
+<p:properties xmlns:p="http://schemas.microsoft.com/office/2006/metadata/properties" xmlns:xsi="http://www.w3.org/2001/XMLSchema-instance" xmlns:pc="http://schemas.microsoft.com/office/infopath/2007/PartnerControls">
+  <documentManagement/>
+</p:properties>
 </file>
 
 <file path=customXml/item2.xml><?xml version="1.0" encoding="utf-8"?>
@@ -15326,15 +15563,23 @@
 </file>
 
 <file path=customXml/item3.xml><?xml version="1.0" encoding="utf-8"?>
-<p:properties xmlns:p="http://schemas.microsoft.com/office/2006/metadata/properties" xmlns:xsi="http://www.w3.org/2001/XMLSchema-instance" xmlns:pc="http://schemas.microsoft.com/office/infopath/2007/PartnerControls">
-  <documentManagement/>
-</p:properties>
+<?mso-contentType ?>
+<FormTemplates xmlns="http://schemas.microsoft.com/sharepoint/v3/contenttype/forms">
+  <Display>DocumentLibraryForm</Display>
+  <Edit>DocumentLibraryForm</Edit>
+  <New>DocumentLibraryForm</New>
+</FormTemplates>
 </file>
 
 <file path=customXml/itemProps1.xml><?xml version="1.0" encoding="utf-8"?>
-<ds:datastoreItem xmlns:ds="http://schemas.openxmlformats.org/officeDocument/2006/customXml" ds:itemID="{42BC90D6-94CF-42F7-AAC4-9CF6824C54D5}">
+<ds:datastoreItem xmlns:ds="http://schemas.openxmlformats.org/officeDocument/2006/customXml" ds:itemID="{7F97B18F-50BC-4F30-8373-93489E845F83}">
   <ds:schemaRefs>
-    <ds:schemaRef ds:uri="http://schemas.microsoft.com/sharepoint/v3/contenttype/forms"/>
+    <ds:schemaRef ds:uri="http://schemas.microsoft.com/office/2006/metadata/properties"/>
+    <ds:schemaRef ds:uri="http://schemas.microsoft.com/office/infopath/2007/PartnerControls"/>
+    <ds:schemaRef ds:uri="http://schemas.microsoft.com/sharepoint/v3"/>
+    <ds:schemaRef ds:uri="71af3243-3dd4-4a8d-8c0d-dd76da1f02a5"/>
+    <ds:schemaRef ds:uri="230e9df3-be65-4c73-a93b-d1236ebd677e"/>
+    <ds:schemaRef ds:uri="36d25196-f32b-43e1-8250-558e57115123"/>
   </ds:schemaRefs>
 </ds:datastoreItem>
 </file>
@@ -15358,14 +15603,9 @@
 </file>
 
 <file path=customXml/itemProps3.xml><?xml version="1.0" encoding="utf-8"?>
-<ds:datastoreItem xmlns:ds="http://schemas.openxmlformats.org/officeDocument/2006/customXml" ds:itemID="{7F97B18F-50BC-4F30-8373-93489E845F83}">
+<ds:datastoreItem xmlns:ds="http://schemas.openxmlformats.org/officeDocument/2006/customXml" ds:itemID="{42BC90D6-94CF-42F7-AAC4-9CF6824C54D5}">
   <ds:schemaRefs>
-    <ds:schemaRef ds:uri="http://schemas.microsoft.com/office/2006/metadata/properties"/>
-    <ds:schemaRef ds:uri="http://schemas.microsoft.com/office/infopath/2007/PartnerControls"/>
-    <ds:schemaRef ds:uri="http://schemas.microsoft.com/sharepoint/v3"/>
-    <ds:schemaRef ds:uri="71af3243-3dd4-4a8d-8c0d-dd76da1f02a5"/>
-    <ds:schemaRef ds:uri="230e9df3-be65-4c73-a93b-d1236ebd677e"/>
-    <ds:schemaRef ds:uri="36d25196-f32b-43e1-8250-558e57115123"/>
+    <ds:schemaRef ds:uri="http://schemas.microsoft.com/sharepoint/v3/contenttype/forms"/>
   </ds:schemaRefs>
 </ds:datastoreItem>
 </file>

--- a/doc/presentation.pptx
+++ b/doc/presentation.pptx
@@ -14514,6 +14514,36 @@
           </a:p>
         </p:txBody>
       </p:sp>
+      <p:pic>
+        <p:nvPicPr>
+          <p:cNvPr id="5" name="Immagine 4">
+            <a:extLst>
+              <a:ext uri="{FF2B5EF4-FFF2-40B4-BE49-F238E27FC236}">
+                <a16:creationId xmlns:a16="http://schemas.microsoft.com/office/drawing/2014/main" id="{3872F532-A1C3-EF38-2725-E2F905C6C50B}"/>
+              </a:ext>
+            </a:extLst>
+          </p:cNvPr>
+          <p:cNvPicPr>
+            <a:picLocks noChangeAspect="1"/>
+          </p:cNvPicPr>
+          <p:nvPr/>
+        </p:nvPicPr>
+        <p:blipFill>
+          <a:blip r:embed="rId3"/>
+          <a:stretch>
+            <a:fillRect/>
+          </a:stretch>
+        </p:blipFill>
+        <p:spPr>
+          <a:xfrm>
+            <a:off x="767204" y="3669145"/>
+            <a:ext cx="10657591" cy="1920587"/>
+          </a:xfrm>
+          <a:prstGeom prst="rect">
+            <a:avLst/>
+          </a:prstGeom>
+        </p:spPr>
+      </p:pic>
     </p:spTree>
     <p:extLst>
       <p:ext uri="{BB962C8B-B14F-4D97-AF65-F5344CB8AC3E}">
@@ -15413,12 +15443,6 @@
 </file>
 
 <file path=customXml/item1.xml><?xml version="1.0" encoding="utf-8"?>
-<p:properties xmlns:p="http://schemas.microsoft.com/office/2006/metadata/properties" xmlns:xsi="http://www.w3.org/2001/XMLSchema-instance" xmlns:pc="http://schemas.microsoft.com/office/infopath/2007/PartnerControls">
-  <documentManagement/>
-</p:properties>
-</file>
-
-<file path=customXml/item2.xml><?xml version="1.0" encoding="utf-8"?>
 <ct:contentTypeSchema xmlns:ct="http://schemas.microsoft.com/office/2006/metadata/contentType" xmlns:ma="http://schemas.microsoft.com/office/2006/metadata/properties/metaAttributes" ct:_="" ma:_="" ma:contentTypeName="Document" ma:contentTypeID="0x0101007CE6213B20D2F945B0D1473923EE410F" ma:contentTypeVersion="4" ma:contentTypeDescription="Create a new document." ma:contentTypeScope="" ma:versionID="999b7d32b491616a44cb9ca790914d38">
   <xsd:schema xmlns:xsd="http://www.w3.org/2001/XMLSchema" xmlns:xs="http://www.w3.org/2001/XMLSchema" xmlns:p="http://schemas.microsoft.com/office/2006/metadata/properties" xmlns:ns2="243f3390-b919-40e8-8195-3613e8527352" targetNamespace="http://schemas.microsoft.com/office/2006/metadata/properties" ma:root="true" ma:fieldsID="8d3c59af8e3bc96f0b58ffc46ca90b3f" ns2:_="">
     <xsd:import namespace="243f3390-b919-40e8-8195-3613e8527352"/>
@@ -15562,6 +15586,12 @@
 </ct:contentTypeSchema>
 </file>
 
+<file path=customXml/item2.xml><?xml version="1.0" encoding="utf-8"?>
+<p:properties xmlns:p="http://schemas.microsoft.com/office/2006/metadata/properties" xmlns:xsi="http://www.w3.org/2001/XMLSchema-instance" xmlns:pc="http://schemas.microsoft.com/office/infopath/2007/PartnerControls">
+  <documentManagement/>
+</p:properties>
+</file>
+
 <file path=customXml/item3.xml><?xml version="1.0" encoding="utf-8"?>
 <?mso-contentType ?>
 <FormTemplates xmlns="http://schemas.microsoft.com/sharepoint/v3/contenttype/forms">
@@ -15572,19 +15602,6 @@
 </file>
 
 <file path=customXml/itemProps1.xml><?xml version="1.0" encoding="utf-8"?>
-<ds:datastoreItem xmlns:ds="http://schemas.openxmlformats.org/officeDocument/2006/customXml" ds:itemID="{7F97B18F-50BC-4F30-8373-93489E845F83}">
-  <ds:schemaRefs>
-    <ds:schemaRef ds:uri="http://schemas.microsoft.com/office/2006/metadata/properties"/>
-    <ds:schemaRef ds:uri="http://schemas.microsoft.com/office/infopath/2007/PartnerControls"/>
-    <ds:schemaRef ds:uri="http://schemas.microsoft.com/sharepoint/v3"/>
-    <ds:schemaRef ds:uri="71af3243-3dd4-4a8d-8c0d-dd76da1f02a5"/>
-    <ds:schemaRef ds:uri="230e9df3-be65-4c73-a93b-d1236ebd677e"/>
-    <ds:schemaRef ds:uri="36d25196-f32b-43e1-8250-558e57115123"/>
-  </ds:schemaRefs>
-</ds:datastoreItem>
-</file>
-
-<file path=customXml/itemProps2.xml><?xml version="1.0" encoding="utf-8"?>
 <ds:datastoreItem xmlns:ds="http://schemas.openxmlformats.org/officeDocument/2006/customXml" ds:itemID="{3FE7862C-C3AD-4816-84F7-041B9F9F157C}">
   <ds:schemaRefs>
     <ds:schemaRef ds:uri="http://schemas.microsoft.com/office/2006/metadata/contentType"/>
@@ -15602,6 +15619,19 @@
 </ds:datastoreItem>
 </file>
 
+<file path=customXml/itemProps2.xml><?xml version="1.0" encoding="utf-8"?>
+<ds:datastoreItem xmlns:ds="http://schemas.openxmlformats.org/officeDocument/2006/customXml" ds:itemID="{7F97B18F-50BC-4F30-8373-93489E845F83}">
+  <ds:schemaRefs>
+    <ds:schemaRef ds:uri="http://schemas.microsoft.com/office/2006/metadata/properties"/>
+    <ds:schemaRef ds:uri="http://schemas.microsoft.com/office/infopath/2007/PartnerControls"/>
+    <ds:schemaRef ds:uri="http://schemas.microsoft.com/sharepoint/v3"/>
+    <ds:schemaRef ds:uri="71af3243-3dd4-4a8d-8c0d-dd76da1f02a5"/>
+    <ds:schemaRef ds:uri="230e9df3-be65-4c73-a93b-d1236ebd677e"/>
+    <ds:schemaRef ds:uri="36d25196-f32b-43e1-8250-558e57115123"/>
+  </ds:schemaRefs>
+</ds:datastoreItem>
+</file>
+
 <file path=customXml/itemProps3.xml><?xml version="1.0" encoding="utf-8"?>
 <ds:datastoreItem xmlns:ds="http://schemas.openxmlformats.org/officeDocument/2006/customXml" ds:itemID="{42BC90D6-94CF-42F7-AAC4-9CF6824C54D5}">
   <ds:schemaRefs>
